--- a/public/assets/SC/5- FC-SC/FC-SC-3405 Recepción de Red fría.pptx
+++ b/public/assets/SC/5- FC-SC/FC-SC-3405 Recepción de Red fría.pptx
@@ -203,7 +203,7 @@
           <a:p>
             <a:fld id="{C2CC7DF8-0F71-4354-86B4-61434162F18A}" type="datetimeFigureOut">
               <a:rPr lang="es-MX" smtClean="0"/>
-              <a:t>15/09/2020</a:t>
+              <a:t>24/01/2022</a:t>
             </a:fld>
             <a:endParaRPr lang="es-MX"/>
           </a:p>
@@ -368,7 +368,7 @@
           <a:p>
             <a:fld id="{D1608416-1C3E-4635-8290-9CCA21519444}" type="datetimeFigureOut">
               <a:rPr lang="es-MX" smtClean="0"/>
-              <a:t>15/09/2020</a:t>
+              <a:t>24/01/2022</a:t>
             </a:fld>
             <a:endParaRPr lang="es-MX"/>
           </a:p>
@@ -432,35 +432,35 @@
           <a:p>
             <a:pPr lvl="0"/>
             <a:r>
-              <a:rPr lang="es-ES" smtClean="0"/>
+              <a:rPr lang="es-ES"/>
               <a:t>Haga clic para modificar el estilo de texto del patrón</a:t>
             </a:r>
           </a:p>
           <a:p>
             <a:pPr lvl="1"/>
             <a:r>
-              <a:rPr lang="es-ES" smtClean="0"/>
+              <a:rPr lang="es-ES"/>
               <a:t>Segundo nivel</a:t>
             </a:r>
           </a:p>
           <a:p>
             <a:pPr lvl="2"/>
             <a:r>
-              <a:rPr lang="es-ES" smtClean="0"/>
+              <a:rPr lang="es-ES"/>
               <a:t>Tercer nivel</a:t>
             </a:r>
           </a:p>
           <a:p>
             <a:pPr lvl="3"/>
             <a:r>
-              <a:rPr lang="es-ES" smtClean="0"/>
+              <a:rPr lang="es-ES"/>
               <a:t>Cuarto nivel</a:t>
             </a:r>
           </a:p>
           <a:p>
             <a:pPr lvl="4"/>
             <a:r>
-              <a:rPr lang="es-ES" smtClean="0"/>
+              <a:rPr lang="es-ES"/>
               <a:t>Quinto nivel</a:t>
             </a:r>
             <a:endParaRPr lang="es-MX"/>
@@ -678,7 +678,7 @@
           </a:lstStyle>
           <a:p>
             <a:r>
-              <a:rPr lang="es-ES" smtClean="0"/>
+              <a:rPr lang="es-ES"/>
               <a:t>Haga clic para modificar el estilo de título del patrón</a:t>
             </a:r>
             <a:endParaRPr lang="es-MX"/>
@@ -743,7 +743,7 @@
           </a:lstStyle>
           <a:p>
             <a:r>
-              <a:rPr lang="es-ES" smtClean="0"/>
+              <a:rPr lang="es-ES"/>
               <a:t>Haga clic para modificar el estilo de subtítulo del patrón</a:t>
             </a:r>
             <a:endParaRPr lang="es-MX"/>
@@ -767,7 +767,7 @@
           <a:p>
             <a:fld id="{005BD863-90F7-46B4-97C8-ECF37E38BBEF}" type="datetimeFigureOut">
               <a:rPr lang="es-MX" smtClean="0"/>
-              <a:t>15/09/2020</a:t>
+              <a:t>24/01/2022</a:t>
             </a:fld>
             <a:endParaRPr lang="es-MX"/>
           </a:p>
@@ -861,7 +861,7 @@
           <a:lstStyle/>
           <a:p>
             <a:r>
-              <a:rPr lang="es-ES" smtClean="0"/>
+              <a:rPr lang="es-ES"/>
               <a:t>Haga clic para modificar el estilo de título del patrón</a:t>
             </a:r>
             <a:endParaRPr lang="es-MX"/>
@@ -885,35 +885,35 @@
           <a:p>
             <a:pPr lvl="0"/>
             <a:r>
-              <a:rPr lang="es-ES" smtClean="0"/>
+              <a:rPr lang="es-ES"/>
               <a:t>Haga clic para modificar el estilo de texto del patrón</a:t>
             </a:r>
           </a:p>
           <a:p>
             <a:pPr lvl="1"/>
             <a:r>
-              <a:rPr lang="es-ES" smtClean="0"/>
+              <a:rPr lang="es-ES"/>
               <a:t>Segundo nivel</a:t>
             </a:r>
           </a:p>
           <a:p>
             <a:pPr lvl="2"/>
             <a:r>
-              <a:rPr lang="es-ES" smtClean="0"/>
+              <a:rPr lang="es-ES"/>
               <a:t>Tercer nivel</a:t>
             </a:r>
           </a:p>
           <a:p>
             <a:pPr lvl="3"/>
             <a:r>
-              <a:rPr lang="es-ES" smtClean="0"/>
+              <a:rPr lang="es-ES"/>
               <a:t>Cuarto nivel</a:t>
             </a:r>
           </a:p>
           <a:p>
             <a:pPr lvl="4"/>
             <a:r>
-              <a:rPr lang="es-ES" smtClean="0"/>
+              <a:rPr lang="es-ES"/>
               <a:t>Quinto nivel</a:t>
             </a:r>
             <a:endParaRPr lang="es-MX"/>
@@ -937,7 +937,7 @@
           <a:p>
             <a:fld id="{005BD863-90F7-46B4-97C8-ECF37E38BBEF}" type="datetimeFigureOut">
               <a:rPr lang="es-MX" smtClean="0"/>
-              <a:t>15/09/2020</a:t>
+              <a:t>24/01/2022</a:t>
             </a:fld>
             <a:endParaRPr lang="es-MX"/>
           </a:p>
@@ -1036,7 +1036,7 @@
           <a:lstStyle/>
           <a:p>
             <a:r>
-              <a:rPr lang="es-ES" smtClean="0"/>
+              <a:rPr lang="es-ES"/>
               <a:t>Haga clic para modificar el estilo de título del patrón</a:t>
             </a:r>
             <a:endParaRPr lang="es-MX"/>
@@ -1065,35 +1065,35 @@
           <a:p>
             <a:pPr lvl="0"/>
             <a:r>
-              <a:rPr lang="es-ES" smtClean="0"/>
+              <a:rPr lang="es-ES"/>
               <a:t>Haga clic para modificar el estilo de texto del patrón</a:t>
             </a:r>
           </a:p>
           <a:p>
             <a:pPr lvl="1"/>
             <a:r>
-              <a:rPr lang="es-ES" smtClean="0"/>
+              <a:rPr lang="es-ES"/>
               <a:t>Segundo nivel</a:t>
             </a:r>
           </a:p>
           <a:p>
             <a:pPr lvl="2"/>
             <a:r>
-              <a:rPr lang="es-ES" smtClean="0"/>
+              <a:rPr lang="es-ES"/>
               <a:t>Tercer nivel</a:t>
             </a:r>
           </a:p>
           <a:p>
             <a:pPr lvl="3"/>
             <a:r>
-              <a:rPr lang="es-ES" smtClean="0"/>
+              <a:rPr lang="es-ES"/>
               <a:t>Cuarto nivel</a:t>
             </a:r>
           </a:p>
           <a:p>
             <a:pPr lvl="4"/>
             <a:r>
-              <a:rPr lang="es-ES" smtClean="0"/>
+              <a:rPr lang="es-ES"/>
               <a:t>Quinto nivel</a:t>
             </a:r>
             <a:endParaRPr lang="es-MX"/>
@@ -1117,7 +1117,7 @@
           <a:p>
             <a:fld id="{005BD863-90F7-46B4-97C8-ECF37E38BBEF}" type="datetimeFigureOut">
               <a:rPr lang="es-MX" smtClean="0"/>
-              <a:t>15/09/2020</a:t>
+              <a:t>24/01/2022</a:t>
             </a:fld>
             <a:endParaRPr lang="es-MX"/>
           </a:p>
@@ -1212,35 +1212,35 @@
           <a:p>
             <a:pPr lvl="0"/>
             <a:r>
-              <a:rPr lang="es-ES" smtClean="0"/>
+              <a:rPr lang="es-ES"/>
               <a:t>Haga clic para modificar el estilo de texto del patrón</a:t>
             </a:r>
           </a:p>
           <a:p>
             <a:pPr lvl="1"/>
             <a:r>
-              <a:rPr lang="es-ES" smtClean="0"/>
+              <a:rPr lang="es-ES"/>
               <a:t>Segundo nivel</a:t>
             </a:r>
           </a:p>
           <a:p>
             <a:pPr lvl="2"/>
             <a:r>
-              <a:rPr lang="es-ES" smtClean="0"/>
+              <a:rPr lang="es-ES"/>
               <a:t>Tercer nivel</a:t>
             </a:r>
           </a:p>
           <a:p>
             <a:pPr lvl="3"/>
             <a:r>
-              <a:rPr lang="es-ES" smtClean="0"/>
+              <a:rPr lang="es-ES"/>
               <a:t>Cuarto nivel</a:t>
             </a:r>
           </a:p>
           <a:p>
             <a:pPr lvl="4"/>
             <a:r>
-              <a:rPr lang="es-ES" smtClean="0"/>
+              <a:rPr lang="es-ES"/>
               <a:t>Quinto nivel</a:t>
             </a:r>
             <a:endParaRPr lang="es-MX"/>
@@ -1352,7 +1352,7 @@
           <a:p>
             <a:pPr algn="r"/>
             <a:r>
-              <a:rPr lang="es-MX" sz="2400" b="1" i="1" dirty="0" smtClean="0">
+              <a:rPr lang="es-MX" sz="2400" b="1" i="1" dirty="0">
                 <a:solidFill>
                   <a:srgbClr val="A50021"/>
                 </a:solidFill>
@@ -1360,12 +1360,6 @@
               </a:rPr>
               <a:t>Servicios para la Ciencia</a:t>
             </a:r>
-            <a:endParaRPr lang="es-MX" sz="2400" b="1" i="1" dirty="0">
-              <a:solidFill>
-                <a:srgbClr val="A50021"/>
-              </a:solidFill>
-              <a:latin typeface="+mn-lt"/>
-            </a:endParaRPr>
           </a:p>
         </p:txBody>
       </p:sp>
@@ -1424,7 +1418,7 @@
           </a:lstStyle>
           <a:p>
             <a:r>
-              <a:rPr lang="es-ES" smtClean="0"/>
+              <a:rPr lang="es-ES"/>
               <a:t>Haga clic para modificar el estilo de título del patrón</a:t>
             </a:r>
             <a:endParaRPr lang="es-MX"/>
@@ -1544,7 +1538,7 @@
           <a:p>
             <a:pPr lvl="0"/>
             <a:r>
-              <a:rPr lang="es-ES" smtClean="0"/>
+              <a:rPr lang="es-ES"/>
               <a:t>Haga clic para modificar el estilo de texto del patrón</a:t>
             </a:r>
           </a:p>
@@ -1567,7 +1561,7 @@
           <a:p>
             <a:fld id="{005BD863-90F7-46B4-97C8-ECF37E38BBEF}" type="datetimeFigureOut">
               <a:rPr lang="es-MX" smtClean="0"/>
-              <a:t>15/09/2020</a:t>
+              <a:t>24/01/2022</a:t>
             </a:fld>
             <a:endParaRPr lang="es-MX"/>
           </a:p>
@@ -1661,7 +1655,7 @@
           <a:lstStyle/>
           <a:p>
             <a:r>
-              <a:rPr lang="es-ES" smtClean="0"/>
+              <a:rPr lang="es-ES"/>
               <a:t>Haga clic para modificar el estilo de título del patrón</a:t>
             </a:r>
             <a:endParaRPr lang="es-MX"/>
@@ -1690,35 +1684,35 @@
           <a:p>
             <a:pPr lvl="0"/>
             <a:r>
-              <a:rPr lang="es-ES" smtClean="0"/>
+              <a:rPr lang="es-ES"/>
               <a:t>Haga clic para modificar el estilo de texto del patrón</a:t>
             </a:r>
           </a:p>
           <a:p>
             <a:pPr lvl="1"/>
             <a:r>
-              <a:rPr lang="es-ES" smtClean="0"/>
+              <a:rPr lang="es-ES"/>
               <a:t>Segundo nivel</a:t>
             </a:r>
           </a:p>
           <a:p>
             <a:pPr lvl="2"/>
             <a:r>
-              <a:rPr lang="es-ES" smtClean="0"/>
+              <a:rPr lang="es-ES"/>
               <a:t>Tercer nivel</a:t>
             </a:r>
           </a:p>
           <a:p>
             <a:pPr lvl="3"/>
             <a:r>
-              <a:rPr lang="es-ES" smtClean="0"/>
+              <a:rPr lang="es-ES"/>
               <a:t>Cuarto nivel</a:t>
             </a:r>
           </a:p>
           <a:p>
             <a:pPr lvl="4"/>
             <a:r>
-              <a:rPr lang="es-ES" smtClean="0"/>
+              <a:rPr lang="es-ES"/>
               <a:t>Quinto nivel</a:t>
             </a:r>
             <a:endParaRPr lang="es-MX"/>
@@ -1747,35 +1741,35 @@
           <a:p>
             <a:pPr lvl="0"/>
             <a:r>
-              <a:rPr lang="es-ES" smtClean="0"/>
+              <a:rPr lang="es-ES"/>
               <a:t>Haga clic para modificar el estilo de texto del patrón</a:t>
             </a:r>
           </a:p>
           <a:p>
             <a:pPr lvl="1"/>
             <a:r>
-              <a:rPr lang="es-ES" smtClean="0"/>
+              <a:rPr lang="es-ES"/>
               <a:t>Segundo nivel</a:t>
             </a:r>
           </a:p>
           <a:p>
             <a:pPr lvl="2"/>
             <a:r>
-              <a:rPr lang="es-ES" smtClean="0"/>
+              <a:rPr lang="es-ES"/>
               <a:t>Tercer nivel</a:t>
             </a:r>
           </a:p>
           <a:p>
             <a:pPr lvl="3"/>
             <a:r>
-              <a:rPr lang="es-ES" smtClean="0"/>
+              <a:rPr lang="es-ES"/>
               <a:t>Cuarto nivel</a:t>
             </a:r>
           </a:p>
           <a:p>
             <a:pPr lvl="4"/>
             <a:r>
-              <a:rPr lang="es-ES" smtClean="0"/>
+              <a:rPr lang="es-ES"/>
               <a:t>Quinto nivel</a:t>
             </a:r>
             <a:endParaRPr lang="es-MX"/>
@@ -1799,7 +1793,7 @@
           <a:p>
             <a:fld id="{005BD863-90F7-46B4-97C8-ECF37E38BBEF}" type="datetimeFigureOut">
               <a:rPr lang="es-MX" smtClean="0"/>
-              <a:t>15/09/2020</a:t>
+              <a:t>24/01/2022</a:t>
             </a:fld>
             <a:endParaRPr lang="es-MX"/>
           </a:p>
@@ -1898,7 +1892,7 @@
           <a:lstStyle/>
           <a:p>
             <a:r>
-              <a:rPr lang="es-ES" smtClean="0"/>
+              <a:rPr lang="es-ES"/>
               <a:t>Haga clic para modificar el estilo de título del patrón</a:t>
             </a:r>
             <a:endParaRPr lang="es-MX"/>
@@ -1964,7 +1958,7 @@
           <a:p>
             <a:pPr lvl="0"/>
             <a:r>
-              <a:rPr lang="es-ES" smtClean="0"/>
+              <a:rPr lang="es-ES"/>
               <a:t>Haga clic para modificar el estilo de texto del patrón</a:t>
             </a:r>
           </a:p>
@@ -1992,35 +1986,35 @@
           <a:p>
             <a:pPr lvl="0"/>
             <a:r>
-              <a:rPr lang="es-ES" smtClean="0"/>
+              <a:rPr lang="es-ES"/>
               <a:t>Haga clic para modificar el estilo de texto del patrón</a:t>
             </a:r>
           </a:p>
           <a:p>
             <a:pPr lvl="1"/>
             <a:r>
-              <a:rPr lang="es-ES" smtClean="0"/>
+              <a:rPr lang="es-ES"/>
               <a:t>Segundo nivel</a:t>
             </a:r>
           </a:p>
           <a:p>
             <a:pPr lvl="2"/>
             <a:r>
-              <a:rPr lang="es-ES" smtClean="0"/>
+              <a:rPr lang="es-ES"/>
               <a:t>Tercer nivel</a:t>
             </a:r>
           </a:p>
           <a:p>
             <a:pPr lvl="3"/>
             <a:r>
-              <a:rPr lang="es-ES" smtClean="0"/>
+              <a:rPr lang="es-ES"/>
               <a:t>Cuarto nivel</a:t>
             </a:r>
           </a:p>
           <a:p>
             <a:pPr lvl="4"/>
             <a:r>
-              <a:rPr lang="es-ES" smtClean="0"/>
+              <a:rPr lang="es-ES"/>
               <a:t>Quinto nivel</a:t>
             </a:r>
             <a:endParaRPr lang="es-MX"/>
@@ -2086,7 +2080,7 @@
           <a:p>
             <a:pPr lvl="0"/>
             <a:r>
-              <a:rPr lang="es-ES" smtClean="0"/>
+              <a:rPr lang="es-ES"/>
               <a:t>Haga clic para modificar el estilo de texto del patrón</a:t>
             </a:r>
           </a:p>
@@ -2114,35 +2108,35 @@
           <a:p>
             <a:pPr lvl="0"/>
             <a:r>
-              <a:rPr lang="es-ES" smtClean="0"/>
+              <a:rPr lang="es-ES"/>
               <a:t>Haga clic para modificar el estilo de texto del patrón</a:t>
             </a:r>
           </a:p>
           <a:p>
             <a:pPr lvl="1"/>
             <a:r>
-              <a:rPr lang="es-ES" smtClean="0"/>
+              <a:rPr lang="es-ES"/>
               <a:t>Segundo nivel</a:t>
             </a:r>
           </a:p>
           <a:p>
             <a:pPr lvl="2"/>
             <a:r>
-              <a:rPr lang="es-ES" smtClean="0"/>
+              <a:rPr lang="es-ES"/>
               <a:t>Tercer nivel</a:t>
             </a:r>
           </a:p>
           <a:p>
             <a:pPr lvl="3"/>
             <a:r>
-              <a:rPr lang="es-ES" smtClean="0"/>
+              <a:rPr lang="es-ES"/>
               <a:t>Cuarto nivel</a:t>
             </a:r>
           </a:p>
           <a:p>
             <a:pPr lvl="4"/>
             <a:r>
-              <a:rPr lang="es-ES" smtClean="0"/>
+              <a:rPr lang="es-ES"/>
               <a:t>Quinto nivel</a:t>
             </a:r>
             <a:endParaRPr lang="es-MX"/>
@@ -2166,7 +2160,7 @@
           <a:p>
             <a:fld id="{005BD863-90F7-46B4-97C8-ECF37E38BBEF}" type="datetimeFigureOut">
               <a:rPr lang="es-MX" smtClean="0"/>
-              <a:t>15/09/2020</a:t>
+              <a:t>24/01/2022</a:t>
             </a:fld>
             <a:endParaRPr lang="es-MX"/>
           </a:p>
@@ -2260,7 +2254,7 @@
           <a:lstStyle/>
           <a:p>
             <a:r>
-              <a:rPr lang="es-ES" smtClean="0"/>
+              <a:rPr lang="es-ES"/>
               <a:t>Haga clic para modificar el estilo de título del patrón</a:t>
             </a:r>
             <a:endParaRPr lang="es-MX"/>
@@ -2284,7 +2278,7 @@
           <a:p>
             <a:fld id="{005BD863-90F7-46B4-97C8-ECF37E38BBEF}" type="datetimeFigureOut">
               <a:rPr lang="es-MX" smtClean="0"/>
-              <a:t>15/09/2020</a:t>
+              <a:t>24/01/2022</a:t>
             </a:fld>
             <a:endParaRPr lang="es-MX"/>
           </a:p>
@@ -2379,7 +2373,7 @@
           <a:p>
             <a:fld id="{005BD863-90F7-46B4-97C8-ECF37E38BBEF}" type="datetimeFigureOut">
               <a:rPr lang="es-MX" smtClean="0"/>
-              <a:t>15/09/2020</a:t>
+              <a:t>24/01/2022</a:t>
             </a:fld>
             <a:endParaRPr lang="es-MX"/>
           </a:p>
@@ -2482,7 +2476,7 @@
           </a:lstStyle>
           <a:p>
             <a:r>
-              <a:rPr lang="es-ES" smtClean="0"/>
+              <a:rPr lang="es-ES"/>
               <a:t>Haga clic para modificar el estilo de título del patrón</a:t>
             </a:r>
             <a:endParaRPr lang="es-MX"/>
@@ -2539,35 +2533,35 @@
           <a:p>
             <a:pPr lvl="0"/>
             <a:r>
-              <a:rPr lang="es-ES" smtClean="0"/>
+              <a:rPr lang="es-ES"/>
               <a:t>Haga clic para modificar el estilo de texto del patrón</a:t>
             </a:r>
           </a:p>
           <a:p>
             <a:pPr lvl="1"/>
             <a:r>
-              <a:rPr lang="es-ES" smtClean="0"/>
+              <a:rPr lang="es-ES"/>
               <a:t>Segundo nivel</a:t>
             </a:r>
           </a:p>
           <a:p>
             <a:pPr lvl="2"/>
             <a:r>
-              <a:rPr lang="es-ES" smtClean="0"/>
+              <a:rPr lang="es-ES"/>
               <a:t>Tercer nivel</a:t>
             </a:r>
           </a:p>
           <a:p>
             <a:pPr lvl="3"/>
             <a:r>
-              <a:rPr lang="es-ES" smtClean="0"/>
+              <a:rPr lang="es-ES"/>
               <a:t>Cuarto nivel</a:t>
             </a:r>
           </a:p>
           <a:p>
             <a:pPr lvl="4"/>
             <a:r>
-              <a:rPr lang="es-ES" smtClean="0"/>
+              <a:rPr lang="es-ES"/>
               <a:t>Quinto nivel</a:t>
             </a:r>
             <a:endParaRPr lang="es-MX"/>
@@ -2633,7 +2627,7 @@
           <a:p>
             <a:pPr lvl="0"/>
             <a:r>
-              <a:rPr lang="es-ES" smtClean="0"/>
+              <a:rPr lang="es-ES"/>
               <a:t>Haga clic para modificar el estilo de texto del patrón</a:t>
             </a:r>
           </a:p>
@@ -2656,7 +2650,7 @@
           <a:p>
             <a:fld id="{005BD863-90F7-46B4-97C8-ECF37E38BBEF}" type="datetimeFigureOut">
               <a:rPr lang="es-MX" smtClean="0"/>
-              <a:t>15/09/2020</a:t>
+              <a:t>24/01/2022</a:t>
             </a:fld>
             <a:endParaRPr lang="es-MX"/>
           </a:p>
@@ -2759,7 +2753,7 @@
           </a:lstStyle>
           <a:p>
             <a:r>
-              <a:rPr lang="es-ES" smtClean="0"/>
+              <a:rPr lang="es-ES"/>
               <a:t>Haga clic para modificar el estilo de título del patrón</a:t>
             </a:r>
             <a:endParaRPr lang="es-MX"/>
@@ -2886,7 +2880,7 @@
           <a:p>
             <a:pPr lvl="0"/>
             <a:r>
-              <a:rPr lang="es-ES" smtClean="0"/>
+              <a:rPr lang="es-ES"/>
               <a:t>Haga clic para modificar el estilo de texto del patrón</a:t>
             </a:r>
           </a:p>
@@ -2909,7 +2903,7 @@
           <a:p>
             <a:fld id="{005BD863-90F7-46B4-97C8-ECF37E38BBEF}" type="datetimeFigureOut">
               <a:rPr lang="es-MX" smtClean="0"/>
-              <a:t>15/09/2020</a:t>
+              <a:t>24/01/2022</a:t>
             </a:fld>
             <a:endParaRPr lang="es-MX"/>
           </a:p>
@@ -3018,7 +3012,7 @@
           <a:lstStyle/>
           <a:p>
             <a:r>
-              <a:rPr lang="es-ES" smtClean="0"/>
+              <a:rPr lang="es-ES"/>
               <a:t>Haga clic para modificar el estilo de título del patrón</a:t>
             </a:r>
             <a:endParaRPr lang="es-MX"/>
@@ -3052,35 +3046,35 @@
           <a:p>
             <a:pPr lvl="0"/>
             <a:r>
-              <a:rPr lang="es-ES" smtClean="0"/>
+              <a:rPr lang="es-ES"/>
               <a:t>Haga clic para modificar el estilo de texto del patrón</a:t>
             </a:r>
           </a:p>
           <a:p>
             <a:pPr lvl="1"/>
             <a:r>
-              <a:rPr lang="es-ES" smtClean="0"/>
+              <a:rPr lang="es-ES"/>
               <a:t>Segundo nivel</a:t>
             </a:r>
           </a:p>
           <a:p>
             <a:pPr lvl="2"/>
             <a:r>
-              <a:rPr lang="es-ES" smtClean="0"/>
+              <a:rPr lang="es-ES"/>
               <a:t>Tercer nivel</a:t>
             </a:r>
           </a:p>
           <a:p>
             <a:pPr lvl="3"/>
             <a:r>
-              <a:rPr lang="es-ES" smtClean="0"/>
+              <a:rPr lang="es-ES"/>
               <a:t>Cuarto nivel</a:t>
             </a:r>
           </a:p>
           <a:p>
             <a:pPr lvl="4"/>
             <a:r>
-              <a:rPr lang="es-ES" smtClean="0"/>
+              <a:rPr lang="es-ES"/>
               <a:t>Quinto nivel</a:t>
             </a:r>
             <a:endParaRPr lang="es-MX"/>
@@ -3122,7 +3116,7 @@
           <a:p>
             <a:fld id="{005BD863-90F7-46B4-97C8-ECF37E38BBEF}" type="datetimeFigureOut">
               <a:rPr lang="es-MX" smtClean="0"/>
-              <a:t>15/09/2020</a:t>
+              <a:t>24/01/2022</a:t>
             </a:fld>
             <a:endParaRPr lang="es-MX"/>
           </a:p>
@@ -3559,7 +3553,7 @@
               <a:buNone/>
             </a:pPr>
             <a:r>
-              <a:rPr lang="es-MX" sz="5800" b="1" dirty="0" smtClean="0">
+              <a:rPr lang="es-MX" sz="5800" b="1" dirty="0">
                 <a:solidFill>
                   <a:srgbClr val="A50021"/>
                 </a:solidFill>
@@ -3585,7 +3579,7 @@
               <a:buAutoNum type="arabicPeriod"/>
             </a:pPr>
             <a:r>
-              <a:rPr lang="es-MX" sz="3800" b="1" dirty="0" smtClean="0">
+              <a:rPr lang="es-MX" sz="3800" b="1" dirty="0">
                 <a:solidFill>
                   <a:srgbClr val="A50021"/>
                 </a:solidFill>
@@ -3604,18 +3598,7 @@
                 <a:ea typeface="Times New Roman" panose="02020603050405020304" pitchFamily="18" charset="0"/>
                 <a:cs typeface="Arial" panose="020B0604020202020204" pitchFamily="34" charset="0"/>
               </a:rPr>
-              <a:t>la </a:t>
-            </a:r>
-            <a:r>
-              <a:rPr lang="es-MX" sz="3800" b="1" smtClean="0">
-                <a:solidFill>
-                  <a:srgbClr val="A50021"/>
-                </a:solidFill>
-                <a:latin typeface="Arial" panose="020B0604020202020204" pitchFamily="34" charset="0"/>
-                <a:ea typeface="Times New Roman" panose="02020603050405020304" pitchFamily="18" charset="0"/>
-                <a:cs typeface="Arial" panose="020B0604020202020204" pitchFamily="34" charset="0"/>
-              </a:rPr>
-              <a:t>caja</a:t>
+              <a:t>la caja</a:t>
             </a:r>
             <a:endParaRPr lang="es-MX" sz="3800" b="1" dirty="0">
               <a:solidFill>
@@ -3693,15 +3676,7 @@
                 <a:ea typeface="Times New Roman" panose="02020603050405020304" pitchFamily="18" charset="0"/>
                 <a:cs typeface="Arial" panose="020B0604020202020204" pitchFamily="34" charset="0"/>
               </a:rPr>
-              <a:t>Verifique la </a:t>
-            </a:r>
-            <a:r>
-              <a:rPr lang="es-MX" sz="3800" dirty="0" smtClean="0">
-                <a:latin typeface="Arial" panose="020B0604020202020204" pitchFamily="34" charset="0"/>
-                <a:ea typeface="Times New Roman" panose="02020603050405020304" pitchFamily="18" charset="0"/>
-                <a:cs typeface="Arial" panose="020B0604020202020204" pitchFamily="34" charset="0"/>
-              </a:rPr>
-              <a:t>temperatura: </a:t>
+              <a:t>Verifique la temperatura: </a:t>
             </a:r>
           </a:p>
           <a:p>
@@ -3716,26 +3691,13 @@
               <a:buChar char=""/>
             </a:pPr>
             <a:r>
-              <a:rPr lang="es-MX" sz="3800" dirty="0" smtClean="0">
-                <a:latin typeface="Arial" panose="020B0604020202020204" pitchFamily="34" charset="0"/>
-                <a:ea typeface="Times New Roman" panose="02020603050405020304" pitchFamily="18" charset="0"/>
-                <a:cs typeface="Arial" panose="020B0604020202020204" pitchFamily="34" charset="0"/>
-              </a:rPr>
-              <a:t>Si </a:t>
-            </a:r>
-            <a:r>
               <a:rPr lang="es-MX" sz="3800" dirty="0">
                 <a:latin typeface="Arial" panose="020B0604020202020204" pitchFamily="34" charset="0"/>
                 <a:ea typeface="Times New Roman" panose="02020603050405020304" pitchFamily="18" charset="0"/>
                 <a:cs typeface="Arial" panose="020B0604020202020204" pitchFamily="34" charset="0"/>
               </a:rPr>
-              <a:t>es correcta, guarde el medicamento en su lugar. </a:t>
-            </a:r>
-            <a:endParaRPr lang="es-MX" sz="3800" dirty="0" smtClean="0">
-              <a:latin typeface="Arial" panose="020B0604020202020204" pitchFamily="34" charset="0"/>
-              <a:ea typeface="Times New Roman" panose="02020603050405020304" pitchFamily="18" charset="0"/>
-              <a:cs typeface="Arial" panose="020B0604020202020204" pitchFamily="34" charset="0"/>
-            </a:endParaRPr>
+              <a:t>Si es correcta, guarde el medicamento en su lugar. </a:t>
+            </a:r>
           </a:p>
           <a:p>
             <a:pPr marL="1657350" lvl="3" indent="-285750" algn="just">
@@ -3749,20 +3711,12 @@
               <a:buChar char=""/>
             </a:pPr>
             <a:r>
-              <a:rPr lang="es-MX" sz="3800" dirty="0" smtClean="0">
-                <a:latin typeface="Arial" panose="020B0604020202020204" pitchFamily="34" charset="0"/>
-                <a:ea typeface="Times New Roman" panose="02020603050405020304" pitchFamily="18" charset="0"/>
-                <a:cs typeface="Arial" panose="020B0604020202020204" pitchFamily="34" charset="0"/>
-              </a:rPr>
-              <a:t>Si </a:t>
-            </a:r>
-            <a:r>
               <a:rPr lang="es-MX" sz="3800" dirty="0">
                 <a:latin typeface="Arial" panose="020B0604020202020204" pitchFamily="34" charset="0"/>
                 <a:ea typeface="Times New Roman" panose="02020603050405020304" pitchFamily="18" charset="0"/>
                 <a:cs typeface="Arial" panose="020B0604020202020204" pitchFamily="34" charset="0"/>
               </a:rPr>
-              <a:t>hubo excursiones, póngalo en cuarentena e informe al remitente.</a:t>
+              <a:t>Si hubo excursiones, póngalo en cuarentena e informe al remitente.</a:t>
             </a:r>
             <a:endParaRPr lang="es-MX" sz="3800" dirty="0">
               <a:latin typeface="Arial" panose="020B0604020202020204" pitchFamily="34" charset="0"/>
@@ -3785,7 +3739,7 @@
               <a:buAutoNum type="arabicPeriod"/>
             </a:pPr>
             <a:r>
-              <a:rPr lang="es-MX" sz="3800" b="1" dirty="0" smtClean="0">
+              <a:rPr lang="es-MX" sz="3800" b="1" dirty="0">
                 <a:solidFill>
                   <a:srgbClr val="A50021"/>
                 </a:solidFill>
@@ -3871,7 +3825,7 @@
               <a:buAutoNum type="arabicPeriod"/>
             </a:pPr>
             <a:r>
-              <a:rPr lang="es-MX" sz="3800" b="1" dirty="0" smtClean="0">
+              <a:rPr lang="es-MX" sz="3800" b="1" dirty="0">
                 <a:solidFill>
                   <a:srgbClr val="A50021"/>
                 </a:solidFill>
@@ -3894,28 +3848,12 @@
               <a:buChar char=""/>
             </a:pPr>
             <a:r>
-              <a:rPr lang="es-MX" sz="3800" dirty="0" smtClean="0">
-                <a:latin typeface="Arial" panose="020B0604020202020204" pitchFamily="34" charset="0"/>
-                <a:ea typeface="Times New Roman" panose="02020603050405020304" pitchFamily="18" charset="0"/>
-                <a:cs typeface="Arial" panose="020B0604020202020204" pitchFamily="34" charset="0"/>
-              </a:rPr>
-              <a:t>Registre </a:t>
-            </a:r>
-            <a:r>
               <a:rPr lang="es-MX" sz="3800" dirty="0">
                 <a:latin typeface="Arial" panose="020B0604020202020204" pitchFamily="34" charset="0"/>
                 <a:ea typeface="Times New Roman" panose="02020603050405020304" pitchFamily="18" charset="0"/>
                 <a:cs typeface="Arial" panose="020B0604020202020204" pitchFamily="34" charset="0"/>
               </a:rPr>
-              <a:t>las entradas en </a:t>
-            </a:r>
-            <a:r>
-              <a:rPr lang="es-MX" sz="3800" dirty="0" smtClean="0">
-                <a:latin typeface="Arial" panose="020B0604020202020204" pitchFamily="34" charset="0"/>
-                <a:ea typeface="Times New Roman" panose="02020603050405020304" pitchFamily="18" charset="0"/>
-                <a:cs typeface="Arial" panose="020B0604020202020204" pitchFamily="34" charset="0"/>
-              </a:rPr>
-              <a:t>el Software Farmacia.</a:t>
+              <a:t>Registre las entradas en el Software Farmacia.</a:t>
             </a:r>
           </a:p>
           <a:p>
@@ -3930,28 +3868,12 @@
               <a:buChar char=""/>
             </a:pPr>
             <a:r>
-              <a:rPr lang="es-MX" sz="3800" dirty="0" smtClean="0">
-                <a:latin typeface="Arial" panose="020B0604020202020204" pitchFamily="34" charset="0"/>
-                <a:ea typeface="Times New Roman" panose="02020603050405020304" pitchFamily="18" charset="0"/>
-                <a:cs typeface="Arial" panose="020B0604020202020204" pitchFamily="34" charset="0"/>
-              </a:rPr>
-              <a:t>Archive evidencias en la </a:t>
-            </a:r>
-            <a:r>
               <a:rPr lang="es-MX" sz="3800" dirty="0">
                 <a:latin typeface="Arial" panose="020B0604020202020204" pitchFamily="34" charset="0"/>
                 <a:ea typeface="Times New Roman" panose="02020603050405020304" pitchFamily="18" charset="0"/>
                 <a:cs typeface="Arial" panose="020B0604020202020204" pitchFamily="34" charset="0"/>
               </a:rPr>
-              <a:t>Carpeta </a:t>
-            </a:r>
-            <a:r>
-              <a:rPr lang="es-MX" sz="3800" dirty="0" smtClean="0">
-                <a:latin typeface="Arial" panose="020B0604020202020204" pitchFamily="34" charset="0"/>
-                <a:ea typeface="Times New Roman" panose="02020603050405020304" pitchFamily="18" charset="0"/>
-                <a:cs typeface="Arial" panose="020B0604020202020204" pitchFamily="34" charset="0"/>
-              </a:rPr>
-              <a:t>Regulatoria.</a:t>
+              <a:t>Archive evidencias en la Carpeta Regulatoria.</a:t>
             </a:r>
             <a:endParaRPr lang="es-MX" sz="3800" dirty="0"/>
           </a:p>
